--- a/18_memo.pptx
+++ b/18_memo.pptx
@@ -6178,25 +6178,122 @@
                 <a:ea typeface="Tahoma" panose="020B0604030504040204" pitchFamily="34" charset="0"/>
                 <a:cs typeface="Tahoma" panose="020B0604030504040204" pitchFamily="34" charset="0"/>
               </a:rPr>
-              <a:t>Memo không phải là hooks, nó là HOC (higher order component</a:t>
-            </a:r>
+              <a:t>Memo không phải là hooks, nó là HOC (higher order component)</a:t>
+            </a:r>
+          </a:p>
+          <a:p>
             <a:r>
               <a:rPr lang="en-US" dirty="0" smtClean="0">
                 <a:latin typeface="Tahoma" panose="020B0604030504040204" pitchFamily="34" charset="0"/>
                 <a:ea typeface="Tahoma" panose="020B0604030504040204" pitchFamily="34" charset="0"/>
                 <a:cs typeface="Tahoma" panose="020B0604030504040204" pitchFamily="34" charset="0"/>
               </a:rPr>
-              <a:t>)</a:t>
-            </a:r>
-          </a:p>
-          <a:p>
+              <a:t>Hooks được sử dụng ở trong component, còn HOC sẽ cao hơn, nó bọc component lại</a:t>
+            </a:r>
+          </a:p>
+          <a:p>
+            <a:endParaRPr lang="en-US" dirty="0">
+              <a:latin typeface="Tahoma" panose="020B0604030504040204" pitchFamily="34" charset="0"/>
+              <a:ea typeface="Tahoma" panose="020B0604030504040204" pitchFamily="34" charset="0"/>
+              <a:cs typeface="Tahoma" panose="020B0604030504040204" pitchFamily="34" charset="0"/>
+            </a:endParaRPr>
+          </a:p>
+          <a:p>
+            <a:r>
+              <a:rPr lang="vi-VN" dirty="0" smtClean="0">
+                <a:latin typeface="Tahoma" panose="020B0604030504040204" pitchFamily="34" charset="0"/>
+                <a:ea typeface="Tahoma" panose="020B0604030504040204" pitchFamily="34" charset="0"/>
+                <a:cs typeface="Tahoma" panose="020B0604030504040204" pitchFamily="34" charset="0"/>
+              </a:rPr>
+              <a:t>React </a:t>
+            </a:r>
+            <a:r>
+              <a:rPr lang="vi-VN" dirty="0">
+                <a:latin typeface="Tahoma" panose="020B0604030504040204" pitchFamily="34" charset="0"/>
+                <a:ea typeface="Tahoma" panose="020B0604030504040204" pitchFamily="34" charset="0"/>
+                <a:cs typeface="Tahoma" panose="020B0604030504040204" pitchFamily="34" charset="0"/>
+              </a:rPr>
+              <a:t>memo sinh ra </a:t>
+            </a:r>
+            <a:r>
+              <a:rPr lang="vi-VN" dirty="0">
+                <a:latin typeface="Tahoma" panose="020B0604030504040204" pitchFamily="34" charset="0"/>
+                <a:ea typeface="Tahoma" panose="020B0604030504040204" pitchFamily="34" charset="0"/>
+                <a:cs typeface="Tahoma" panose="020B0604030504040204" pitchFamily="34" charset="0"/>
+              </a:rPr>
+              <a:t>cho phép bạn bỏ qua </a:t>
+            </a:r>
             <a:r>
               <a:rPr lang="en-US" dirty="0" smtClean="0">
                 <a:latin typeface="Tahoma" panose="020B0604030504040204" pitchFamily="34" charset="0"/>
                 <a:ea typeface="Tahoma" panose="020B0604030504040204" pitchFamily="34" charset="0"/>
                 <a:cs typeface="Tahoma" panose="020B0604030504040204" pitchFamily="34" charset="0"/>
               </a:rPr>
-              <a:t>Hooks được sử dụng ở trong component, còn HOC sẽ cao hơn, nó bọc component lại</a:t>
+              <a:t>việc </a:t>
+            </a:r>
+            <a:r>
+              <a:rPr lang="vi-VN" dirty="0" smtClean="0">
+                <a:latin typeface="Tahoma" panose="020B0604030504040204" pitchFamily="34" charset="0"/>
+                <a:ea typeface="Tahoma" panose="020B0604030504040204" pitchFamily="34" charset="0"/>
+                <a:cs typeface="Tahoma" panose="020B0604030504040204" pitchFamily="34" charset="0"/>
+              </a:rPr>
+              <a:t>re-render </a:t>
+            </a:r>
+            <a:r>
+              <a:rPr lang="en-US" dirty="0" smtClean="0">
+                <a:latin typeface="Tahoma" panose="020B0604030504040204" pitchFamily="34" charset="0"/>
+                <a:ea typeface="Tahoma" panose="020B0604030504040204" pitchFamily="34" charset="0"/>
+                <a:cs typeface="Tahoma" panose="020B0604030504040204" pitchFamily="34" charset="0"/>
+              </a:rPr>
+              <a:t>một</a:t>
+            </a:r>
+            <a:r>
+              <a:rPr lang="vi-VN" dirty="0" smtClean="0">
+                <a:latin typeface="Tahoma" panose="020B0604030504040204" pitchFamily="34" charset="0"/>
+                <a:ea typeface="Tahoma" panose="020B0604030504040204" pitchFamily="34" charset="0"/>
+                <a:cs typeface="Tahoma" panose="020B0604030504040204" pitchFamily="34" charset="0"/>
+              </a:rPr>
+              <a:t> </a:t>
+            </a:r>
+            <a:r>
+              <a:rPr lang="vi-VN" dirty="0">
+                <a:latin typeface="Tahoma" panose="020B0604030504040204" pitchFamily="34" charset="0"/>
+                <a:ea typeface="Tahoma" panose="020B0604030504040204" pitchFamily="34" charset="0"/>
+                <a:cs typeface="Tahoma" panose="020B0604030504040204" pitchFamily="34" charset="0"/>
+              </a:rPr>
+              <a:t>component khi </a:t>
+            </a:r>
+            <a:r>
+              <a:rPr lang="en-US" dirty="0" smtClean="0">
+                <a:latin typeface="Tahoma" panose="020B0604030504040204" pitchFamily="34" charset="0"/>
+                <a:ea typeface="Tahoma" panose="020B0604030504040204" pitchFamily="34" charset="0"/>
+                <a:cs typeface="Tahoma" panose="020B0604030504040204" pitchFamily="34" charset="0"/>
+              </a:rPr>
+              <a:t>props </a:t>
+            </a:r>
+            <a:r>
+              <a:rPr lang="vi-VN" dirty="0" smtClean="0">
+                <a:latin typeface="Tahoma" panose="020B0604030504040204" pitchFamily="34" charset="0"/>
+                <a:ea typeface="Tahoma" panose="020B0604030504040204" pitchFamily="34" charset="0"/>
+                <a:cs typeface="Tahoma" panose="020B0604030504040204" pitchFamily="34" charset="0"/>
+              </a:rPr>
+              <a:t>của </a:t>
+            </a:r>
+            <a:r>
+              <a:rPr lang="vi-VN" dirty="0">
+                <a:latin typeface="Tahoma" panose="020B0604030504040204" pitchFamily="34" charset="0"/>
+                <a:ea typeface="Tahoma" panose="020B0604030504040204" pitchFamily="34" charset="0"/>
+                <a:cs typeface="Tahoma" panose="020B0604030504040204" pitchFamily="34" charset="0"/>
+              </a:rPr>
+              <a:t>nó không thay đổi</a:t>
+            </a:r>
+            <a:r>
+              <a:rPr lang="vi-VN" dirty="0" smtClean="0">
+                <a:latin typeface="Tahoma" panose="020B0604030504040204" pitchFamily="34" charset="0"/>
+                <a:ea typeface="Tahoma" panose="020B0604030504040204" pitchFamily="34" charset="0"/>
+                <a:cs typeface="Tahoma" panose="020B0604030504040204" pitchFamily="34" charset="0"/>
+              </a:rPr>
+              <a:t>.</a:t>
             </a:r>
             <a:endParaRPr lang="en-US" dirty="0" smtClean="0">
               <a:latin typeface="Tahoma" panose="020B0604030504040204" pitchFamily="34" charset="0"/>
@@ -6213,91 +6310,13 @@
           </a:p>
           <a:p>
             <a:r>
-              <a:rPr lang="vi-VN" dirty="0" smtClean="0">
-                <a:latin typeface="Tahoma" panose="020B0604030504040204" pitchFamily="34" charset="0"/>
-                <a:ea typeface="Tahoma" panose="020B0604030504040204" pitchFamily="34" charset="0"/>
-                <a:cs typeface="Tahoma" panose="020B0604030504040204" pitchFamily="34" charset="0"/>
-              </a:rPr>
-              <a:t>React </a:t>
-            </a:r>
-            <a:r>
-              <a:rPr lang="vi-VN" dirty="0">
-                <a:latin typeface="Tahoma" panose="020B0604030504040204" pitchFamily="34" charset="0"/>
-                <a:ea typeface="Tahoma" panose="020B0604030504040204" pitchFamily="34" charset="0"/>
-                <a:cs typeface="Tahoma" panose="020B0604030504040204" pitchFamily="34" charset="0"/>
-              </a:rPr>
-              <a:t>memo sinh ra với mục địch tránh việc </a:t>
-            </a:r>
-            <a:r>
-              <a:rPr lang="vi-VN" dirty="0" smtClean="0">
-                <a:latin typeface="Tahoma" panose="020B0604030504040204" pitchFamily="34" charset="0"/>
-                <a:ea typeface="Tahoma" panose="020B0604030504040204" pitchFamily="34" charset="0"/>
-                <a:cs typeface="Tahoma" panose="020B0604030504040204" pitchFamily="34" charset="0"/>
-              </a:rPr>
-              <a:t>re</a:t>
-            </a:r>
-            <a:r>
-              <a:rPr lang="en-US" dirty="0">
-                <a:latin typeface="Tahoma" panose="020B0604030504040204" pitchFamily="34" charset="0"/>
-                <a:ea typeface="Tahoma" panose="020B0604030504040204" pitchFamily="34" charset="0"/>
-                <a:cs typeface="Tahoma" panose="020B0604030504040204" pitchFamily="34" charset="0"/>
-              </a:rPr>
-              <a:t>-</a:t>
-            </a:r>
-            <a:r>
-              <a:rPr lang="vi-VN" dirty="0" smtClean="0">
-                <a:latin typeface="Tahoma" panose="020B0604030504040204" pitchFamily="34" charset="0"/>
-                <a:ea typeface="Tahoma" panose="020B0604030504040204" pitchFamily="34" charset="0"/>
-                <a:cs typeface="Tahoma" panose="020B0604030504040204" pitchFamily="34" charset="0"/>
-              </a:rPr>
-              <a:t>render </a:t>
-            </a:r>
-            <a:r>
-              <a:rPr lang="vi-VN" dirty="0">
-                <a:latin typeface="Tahoma" panose="020B0604030504040204" pitchFamily="34" charset="0"/>
-                <a:ea typeface="Tahoma" panose="020B0604030504040204" pitchFamily="34" charset="0"/>
-                <a:cs typeface="Tahoma" panose="020B0604030504040204" pitchFamily="34" charset="0"/>
-              </a:rPr>
-              <a:t>nhiều lần ảnh hưởng đến </a:t>
-            </a:r>
-            <a:r>
-              <a:rPr lang="vi-VN" dirty="0" smtClean="0">
-                <a:latin typeface="Tahoma" panose="020B0604030504040204" pitchFamily="34" charset="0"/>
-                <a:ea typeface="Tahoma" panose="020B0604030504040204" pitchFamily="34" charset="0"/>
-                <a:cs typeface="Tahoma" panose="020B0604030504040204" pitchFamily="34" charset="0"/>
-              </a:rPr>
-              <a:t>performance</a:t>
-            </a:r>
-            <a:r>
               <a:rPr lang="en-US" dirty="0" smtClean="0">
                 <a:latin typeface="Tahoma" panose="020B0604030504040204" pitchFamily="34" charset="0"/>
                 <a:ea typeface="Tahoma" panose="020B0604030504040204" pitchFamily="34" charset="0"/>
                 <a:cs typeface="Tahoma" panose="020B0604030504040204" pitchFamily="34" charset="0"/>
               </a:rPr>
-              <a:t>.</a:t>
-            </a:r>
-          </a:p>
-          <a:p>
-            <a:endParaRPr lang="en-US" dirty="0">
-              <a:latin typeface="Tahoma" panose="020B0604030504040204" pitchFamily="34" charset="0"/>
-              <a:ea typeface="Tahoma" panose="020B0604030504040204" pitchFamily="34" charset="0"/>
-              <a:cs typeface="Tahoma" panose="020B0604030504040204" pitchFamily="34" charset="0"/>
-            </a:endParaRPr>
-          </a:p>
-          <a:p>
-            <a:r>
-              <a:rPr lang="en-US" dirty="0" smtClean="0">
-                <a:latin typeface="Tahoma" panose="020B0604030504040204" pitchFamily="34" charset="0"/>
-                <a:ea typeface="Tahoma" panose="020B0604030504040204" pitchFamily="34" charset="0"/>
-                <a:cs typeface="Tahoma" panose="020B0604030504040204" pitchFamily="34" charset="0"/>
-              </a:rPr>
               <a:t>Nó tránh bằng cách check giá trị props truyền vào component, nếu giá trị có thay đổi so với lần trước thì nó sẽ re-render</a:t>
             </a:r>
-            <a:endParaRPr lang="en-US" sz="1800" dirty="0" smtClean="0">
-              <a:latin typeface="Tahoma" panose="020B0604030504040204" pitchFamily="34" charset="0"/>
-              <a:ea typeface="Tahoma" panose="020B0604030504040204" pitchFamily="34" charset="0"/>
-              <a:cs typeface="Tahoma" panose="020B0604030504040204" pitchFamily="34" charset="0"/>
-            </a:endParaRPr>
           </a:p>
         </p:txBody>
       </p:sp>
